--- a/PPT FWD TNSDC 2025 (2) amith.pptx
+++ b/PPT FWD TNSDC 2025 (2) amith.pptx
@@ -132,6 +132,9 @@
         </p15:guide>
       </p15:sldGuideLst>
     </p:ext>
+    <p:ext uri="{2D200454-40CA-4A62-9FC3-DE9A4176ACB9}">
+      <p15:notesGuideLst xmlns:p15="http://schemas.microsoft.com/office/powerpoint/2012/main"/>
+    </p:ext>
   </p:extLst>
 </p:presentation>
 </file>
@@ -226,7 +229,7 @@
           <a:p>
             <a:fld id="{84B86612-B127-4CD0-BF15-66D49A7175F7}" type="datetimeFigureOut">
               <a:rPr lang="en-IN" smtClean="0"/>
-              <a:t>09-09-2025</a:t>
+              <a:t>10-09-2025</a:t>
             </a:fld>
             <a:endParaRPr lang="en-IN"/>
           </a:p>
@@ -807,7 +810,7 @@
           <a:p>
             <a:fld id="{1D8BD707-D9CF-40AE-B4C6-C98DA3205C09}" type="datetimeFigureOut">
               <a:rPr lang="en-US"/>
-              <a:t>9/9/2025</a:t>
+              <a:t>9/10/2025</a:t>
             </a:fld>
             <a:endParaRPr lang="en-US"/>
           </a:p>
@@ -987,7 +990,7 @@
           <a:p>
             <a:fld id="{1D8BD707-D9CF-40AE-B4C6-C98DA3205C09}" type="datetimeFigureOut">
               <a:rPr lang="en-US"/>
-              <a:t>9/9/2025</a:t>
+              <a:t>9/10/2025</a:t>
             </a:fld>
             <a:endParaRPr lang="en-US"/>
           </a:p>
@@ -1210,7 +1213,7 @@
           <a:p>
             <a:fld id="{1D8BD707-D9CF-40AE-B4C6-C98DA3205C09}" type="datetimeFigureOut">
               <a:rPr lang="en-US"/>
-              <a:t>9/9/2025</a:t>
+              <a:t>9/10/2025</a:t>
             </a:fld>
             <a:endParaRPr lang="en-US"/>
           </a:p>
@@ -1367,7 +1370,7 @@
           <a:p>
             <a:fld id="{1D8BD707-D9CF-40AE-B4C6-C98DA3205C09}" type="datetimeFigureOut">
               <a:rPr lang="en-US"/>
-              <a:t>9/9/2025</a:t>
+              <a:t>9/10/2025</a:t>
             </a:fld>
             <a:endParaRPr lang="en-US"/>
           </a:p>
@@ -1495,7 +1498,7 @@
           <a:p>
             <a:fld id="{1D8BD707-D9CF-40AE-B4C6-C98DA3205C09}" type="datetimeFigureOut">
               <a:rPr lang="en-US"/>
-              <a:t>9/9/2025</a:t>
+              <a:t>9/10/2025</a:t>
             </a:fld>
             <a:endParaRPr lang="en-US"/>
           </a:p>
@@ -2214,7 +2217,7 @@
           <a:p>
             <a:fld id="{1D8BD707-D9CF-40AE-B4C6-C98DA3205C09}" type="datetimeFigureOut">
               <a:rPr lang="en-US"/>
-              <a:t>9/9/2025</a:t>
+              <a:t>9/10/2025</a:t>
             </a:fld>
             <a:endParaRPr lang="en-US"/>
           </a:p>
@@ -2862,11 +2865,7 @@
             </a:r>
             <a:r>
               <a:rPr lang="en-US" sz="2400" dirty="0" smtClean="0"/>
-              <a:t>2nd</a:t>
-            </a:r>
-            <a:r>
-              <a:rPr lang="en-US" sz="2400" dirty="0" smtClean="0"/>
-              <a:t> BSc AI&amp;ML</a:t>
+              <a:t>2nd BSc AI&amp;ML</a:t>
             </a:r>
             <a:endParaRPr lang="en-US" sz="2400" dirty="0"/>
           </a:p>
@@ -3278,10 +3277,6 @@
           </p:nvPr>
         </p:nvSpPr>
         <p:spPr>
-          <a:xfrm>
-            <a:off x="739775" y="654938"/>
-            <a:ext cx="8480425" cy="670696"/>
-          </a:xfrm>
           <a:prstGeom prst="rect">
             <a:avLst/>
           </a:prstGeom>
@@ -3305,6 +3300,66 @@
               <a:t>RESULTS AND SCREENSHOTS</a:t>
             </a:r>
             <a:endParaRPr sz="4250" dirty="0"/>
+          </a:p>
+        </p:txBody>
+      </p:sp>
+      <p:sp>
+        <p:nvSpPr>
+          <p:cNvPr id="10" name="Text Placeholder 9"/>
+          <p:cNvSpPr>
+            <a:spLocks noGrp="1"/>
+          </p:cNvSpPr>
+          <p:nvPr>
+            <p:ph type="body" idx="1"/>
+          </p:nvPr>
+        </p:nvSpPr>
+        <p:spPr>
+          <a:xfrm>
+            <a:off x="609600" y="1577340"/>
+            <a:ext cx="10972800" cy="1938992"/>
+          </a:xfrm>
+        </p:spPr>
+        <p:txBody>
+          <a:bodyPr/>
+          <a:lstStyle/>
+          <a:p>
+            <a:r>
+              <a:rPr lang="en-US" dirty="0"/>
+              <a:t>The Student Attendance Management System was successfully developed and tested.</a:t>
+            </a:r>
+          </a:p>
+          <a:p>
+            <a:r>
+              <a:rPr lang="en-US" dirty="0"/>
+              <a:t>It allows teachers to mark daily attendance easily.</a:t>
+            </a:r>
+          </a:p>
+          <a:p>
+            <a:r>
+              <a:rPr lang="en-US" dirty="0"/>
+              <a:t>Students can check their attendance records anytime.</a:t>
+            </a:r>
+          </a:p>
+          <a:p>
+            <a:r>
+              <a:rPr lang="en-US" dirty="0"/>
+              <a:t>The system automatically generates attendance reports.</a:t>
+            </a:r>
+          </a:p>
+          <a:p>
+            <a:r>
+              <a:rPr lang="en-US" dirty="0"/>
+              <a:t>It reduces paperwork and human errors compared to manual registers.</a:t>
+            </a:r>
+          </a:p>
+          <a:p>
+            <a:r>
+              <a:rPr lang="en-US" dirty="0"/>
+              <a:t>This system improves efficiency, transparency, and saves time for both teachers and students.</a:t>
+            </a:r>
+          </a:p>
+          <a:p>
+            <a:endParaRPr lang="en-IN" dirty="0"/>
           </a:p>
         </p:txBody>
       </p:sp>
@@ -3618,10 +3673,6 @@
           </p:nvPr>
         </p:nvSpPr>
         <p:spPr>
-          <a:xfrm>
-            <a:off x="755332" y="385444"/>
-            <a:ext cx="4578668" cy="752129"/>
-          </a:xfrm>
           <a:prstGeom prst="rect">
             <a:avLst/>
           </a:prstGeom>
@@ -3645,6 +3696,48 @@
               <a:t>CONCLUSION</a:t>
             </a:r>
             <a:endParaRPr dirty="0"/>
+          </a:p>
+        </p:txBody>
+      </p:sp>
+      <p:sp>
+        <p:nvSpPr>
+          <p:cNvPr id="2" name="Text Placeholder 1"/>
+          <p:cNvSpPr>
+            <a:spLocks noGrp="1"/>
+          </p:cNvSpPr>
+          <p:nvPr>
+            <p:ph type="body" idx="1"/>
+          </p:nvPr>
+        </p:nvSpPr>
+        <p:spPr>
+          <a:xfrm>
+            <a:off x="609600" y="1577340"/>
+            <a:ext cx="10972800" cy="2215991"/>
+          </a:xfrm>
+        </p:spPr>
+        <p:txBody>
+          <a:bodyPr/>
+          <a:lstStyle/>
+          <a:p>
+            <a:r>
+              <a:rPr lang="en-US" dirty="0"/>
+              <a:t>The Student Attendance Management System provides an efficient and reliable way to record, manage, and track student attendance. By replacing the traditional manual method with a digital solution, the system reduces errors, saves time, and ensures greater accuracy in attendance records.</a:t>
+            </a:r>
+          </a:p>
+          <a:p>
+            <a:r>
+              <a:rPr lang="en-US" dirty="0"/>
+              <a:t>It also improves transparency, as both teachers and students can access attendance details anytime. The automated report generation feature helps teachers analyze student performance easily and keeps parents informed.</a:t>
+            </a:r>
+          </a:p>
+          <a:p>
+            <a:r>
+              <a:rPr lang="en-US" dirty="0"/>
+              <a:t>Overall, this system contributes to better classroom management, enhances productivity, and supports a modern approach to academic administration.</a:t>
+            </a:r>
+          </a:p>
+          <a:p>
+            <a:endParaRPr lang="en-IN" dirty="0"/>
           </a:p>
         </p:txBody>
       </p:sp>
@@ -3727,7 +3820,7 @@
         </p:nvSpPr>
         <p:spPr>
           <a:xfrm>
-            <a:off x="609600" y="265896"/>
+            <a:off x="-61851" y="-30282"/>
             <a:ext cx="12192000" cy="6858000"/>
           </a:xfrm>
           <a:custGeom>
@@ -3769,6 +3862,1300 @@
               <a:latin typeface="Times New Roman" panose="02020603050405020304" pitchFamily="18" charset="0"/>
               <a:cs typeface="Times New Roman" panose="02020603050405020304" pitchFamily="18" charset="0"/>
             </a:endParaRPr>
+          </a:p>
+        </p:txBody>
+      </p:sp>
+      <p:grpSp>
+        <p:nvGrpSpPr>
+          <p:cNvPr id="3" name="object 3"/>
+          <p:cNvGrpSpPr/>
+          <p:nvPr/>
+        </p:nvGrpSpPr>
+        <p:grpSpPr>
+          <a:xfrm>
+            <a:off x="7505700" y="675556"/>
+            <a:ext cx="4752975" cy="6863080"/>
+            <a:chOff x="7443849" y="0"/>
+            <a:chExt cx="4752975" cy="6863080"/>
+          </a:xfrm>
+        </p:grpSpPr>
+        <p:sp>
+          <p:nvSpPr>
+            <p:cNvPr id="4" name="object 4"/>
+            <p:cNvSpPr/>
+            <p:nvPr/>
+          </p:nvSpPr>
+          <p:spPr>
+            <a:xfrm>
+              <a:off x="9377426" y="4825"/>
+              <a:ext cx="1218565" cy="6853555"/>
+            </a:xfrm>
+            <a:custGeom>
+              <a:avLst/>
+              <a:gdLst/>
+              <a:ahLst/>
+              <a:cxnLst/>
+              <a:rect l="l" t="t" r="r" b="b"/>
+              <a:pathLst>
+                <a:path w="1218565" h="6853555">
+                  <a:moveTo>
+                    <a:pt x="0" y="0"/>
+                  </a:moveTo>
+                  <a:lnTo>
+                    <a:pt x="1218352" y="6853171"/>
+                  </a:lnTo>
+                </a:path>
+              </a:pathLst>
+            </a:custGeom>
+            <a:ln w="9525">
+              <a:solidFill>
+                <a:srgbClr val="5FCAEE"/>
+              </a:solidFill>
+            </a:ln>
+          </p:spPr>
+          <p:txBody>
+            <a:bodyPr wrap="square" lIns="0" tIns="0" rIns="0" bIns="0" rtlCol="0"/>
+            <a:lstStyle/>
+            <a:p>
+              <a:endParaRPr/>
+            </a:p>
+          </p:txBody>
+        </p:sp>
+        <p:sp>
+          <p:nvSpPr>
+            <p:cNvPr id="5" name="object 5"/>
+            <p:cNvSpPr/>
+            <p:nvPr/>
+          </p:nvSpPr>
+          <p:spPr>
+            <a:xfrm>
+              <a:off x="7448612" y="3694896"/>
+              <a:ext cx="4743450" cy="3163570"/>
+            </a:xfrm>
+            <a:custGeom>
+              <a:avLst/>
+              <a:gdLst/>
+              <a:ahLst/>
+              <a:cxnLst/>
+              <a:rect l="l" t="t" r="r" b="b"/>
+              <a:pathLst>
+                <a:path w="4743450" h="3163570">
+                  <a:moveTo>
+                    <a:pt x="4743387" y="0"/>
+                  </a:moveTo>
+                  <a:lnTo>
+                    <a:pt x="0" y="3163101"/>
+                  </a:lnTo>
+                </a:path>
+              </a:pathLst>
+            </a:custGeom>
+            <a:ln w="9525">
+              <a:solidFill>
+                <a:srgbClr val="5FCAEE"/>
+              </a:solidFill>
+            </a:ln>
+          </p:spPr>
+          <p:txBody>
+            <a:bodyPr wrap="square" lIns="0" tIns="0" rIns="0" bIns="0" rtlCol="0"/>
+            <a:lstStyle/>
+            <a:p>
+              <a:endParaRPr/>
+            </a:p>
+          </p:txBody>
+        </p:sp>
+        <p:sp>
+          <p:nvSpPr>
+            <p:cNvPr id="6" name="object 6"/>
+            <p:cNvSpPr/>
+            <p:nvPr/>
+          </p:nvSpPr>
+          <p:spPr>
+            <a:xfrm>
+              <a:off x="9182100" y="0"/>
+              <a:ext cx="3009900" cy="6858000"/>
+            </a:xfrm>
+            <a:custGeom>
+              <a:avLst/>
+              <a:gdLst/>
+              <a:ahLst/>
+              <a:cxnLst/>
+              <a:rect l="l" t="t" r="r" b="b"/>
+              <a:pathLst>
+                <a:path w="3009900" h="6858000">
+                  <a:moveTo>
+                    <a:pt x="3009899" y="0"/>
+                  </a:moveTo>
+                  <a:lnTo>
+                    <a:pt x="2044399" y="0"/>
+                  </a:lnTo>
+                  <a:lnTo>
+                    <a:pt x="0" y="6857996"/>
+                  </a:lnTo>
+                  <a:lnTo>
+                    <a:pt x="3009899" y="6857996"/>
+                  </a:lnTo>
+                  <a:lnTo>
+                    <a:pt x="3009899" y="0"/>
+                  </a:lnTo>
+                  <a:close/>
+                </a:path>
+              </a:pathLst>
+            </a:custGeom>
+            <a:solidFill>
+              <a:srgbClr val="5FCAEE">
+                <a:alpha val="36077"/>
+              </a:srgbClr>
+            </a:solidFill>
+          </p:spPr>
+          <p:txBody>
+            <a:bodyPr wrap="square" lIns="0" tIns="0" rIns="0" bIns="0" rtlCol="0"/>
+            <a:lstStyle/>
+            <a:p>
+              <a:endParaRPr/>
+            </a:p>
+          </p:txBody>
+        </p:sp>
+        <p:sp>
+          <p:nvSpPr>
+            <p:cNvPr id="7" name="object 7"/>
+            <p:cNvSpPr/>
+            <p:nvPr/>
+          </p:nvSpPr>
+          <p:spPr>
+            <a:xfrm>
+              <a:off x="9602878" y="0"/>
+              <a:ext cx="2589530" cy="6858000"/>
+            </a:xfrm>
+            <a:custGeom>
+              <a:avLst/>
+              <a:gdLst/>
+              <a:ahLst/>
+              <a:cxnLst/>
+              <a:rect l="l" t="t" r="r" b="b"/>
+              <a:pathLst>
+                <a:path w="2589529" h="6858000">
+                  <a:moveTo>
+                    <a:pt x="2589120" y="0"/>
+                  </a:moveTo>
+                  <a:lnTo>
+                    <a:pt x="0" y="0"/>
+                  </a:lnTo>
+                  <a:lnTo>
+                    <a:pt x="1208884" y="6857996"/>
+                  </a:lnTo>
+                  <a:lnTo>
+                    <a:pt x="2589120" y="6857996"/>
+                  </a:lnTo>
+                  <a:lnTo>
+                    <a:pt x="2589120" y="0"/>
+                  </a:lnTo>
+                  <a:close/>
+                </a:path>
+              </a:pathLst>
+            </a:custGeom>
+            <a:solidFill>
+              <a:srgbClr val="5FCAEE">
+                <a:alpha val="19999"/>
+              </a:srgbClr>
+            </a:solidFill>
+          </p:spPr>
+          <p:txBody>
+            <a:bodyPr wrap="square" lIns="0" tIns="0" rIns="0" bIns="0" rtlCol="0"/>
+            <a:lstStyle/>
+            <a:p>
+              <a:endParaRPr/>
+            </a:p>
+          </p:txBody>
+        </p:sp>
+        <p:sp>
+          <p:nvSpPr>
+            <p:cNvPr id="8" name="object 8"/>
+            <p:cNvSpPr/>
+            <p:nvPr/>
+          </p:nvSpPr>
+          <p:spPr>
+            <a:xfrm>
+              <a:off x="8934450" y="3048000"/>
+              <a:ext cx="3257550" cy="3810000"/>
+            </a:xfrm>
+            <a:custGeom>
+              <a:avLst/>
+              <a:gdLst/>
+              <a:ahLst/>
+              <a:cxnLst/>
+              <a:rect l="l" t="t" r="r" b="b"/>
+              <a:pathLst>
+                <a:path w="3257550" h="3810000">
+                  <a:moveTo>
+                    <a:pt x="3257550" y="0"/>
+                  </a:moveTo>
+                  <a:lnTo>
+                    <a:pt x="0" y="3810000"/>
+                  </a:lnTo>
+                  <a:lnTo>
+                    <a:pt x="3257550" y="3810000"/>
+                  </a:lnTo>
+                  <a:lnTo>
+                    <a:pt x="3257550" y="0"/>
+                  </a:lnTo>
+                  <a:close/>
+                </a:path>
+              </a:pathLst>
+            </a:custGeom>
+            <a:solidFill>
+              <a:srgbClr val="17AFE3">
+                <a:alpha val="65881"/>
+              </a:srgbClr>
+            </a:solidFill>
+          </p:spPr>
+          <p:txBody>
+            <a:bodyPr wrap="square" lIns="0" tIns="0" rIns="0" bIns="0" rtlCol="0"/>
+            <a:lstStyle/>
+            <a:p>
+              <a:endParaRPr/>
+            </a:p>
+          </p:txBody>
+        </p:sp>
+        <p:sp>
+          <p:nvSpPr>
+            <p:cNvPr id="9" name="object 9"/>
+            <p:cNvSpPr/>
+            <p:nvPr/>
+          </p:nvSpPr>
+          <p:spPr>
+            <a:xfrm>
+              <a:off x="9337930" y="0"/>
+              <a:ext cx="2854325" cy="6858000"/>
+            </a:xfrm>
+            <a:custGeom>
+              <a:avLst/>
+              <a:gdLst/>
+              <a:ahLst/>
+              <a:cxnLst/>
+              <a:rect l="l" t="t" r="r" b="b"/>
+              <a:pathLst>
+                <a:path w="2854325" h="6858000">
+                  <a:moveTo>
+                    <a:pt x="2854069" y="0"/>
+                  </a:moveTo>
+                  <a:lnTo>
+                    <a:pt x="0" y="0"/>
+                  </a:lnTo>
+                  <a:lnTo>
+                    <a:pt x="2470020" y="6857996"/>
+                  </a:lnTo>
+                  <a:lnTo>
+                    <a:pt x="2854069" y="6857996"/>
+                  </a:lnTo>
+                  <a:lnTo>
+                    <a:pt x="2854069" y="0"/>
+                  </a:lnTo>
+                  <a:close/>
+                </a:path>
+              </a:pathLst>
+            </a:custGeom>
+            <a:solidFill>
+              <a:srgbClr val="17AFE3">
+                <a:alpha val="50195"/>
+              </a:srgbClr>
+            </a:solidFill>
+          </p:spPr>
+          <p:txBody>
+            <a:bodyPr wrap="square" lIns="0" tIns="0" rIns="0" bIns="0" rtlCol="0"/>
+            <a:lstStyle/>
+            <a:p>
+              <a:endParaRPr/>
+            </a:p>
+          </p:txBody>
+        </p:sp>
+        <p:sp>
+          <p:nvSpPr>
+            <p:cNvPr id="10" name="object 10"/>
+            <p:cNvSpPr/>
+            <p:nvPr/>
+          </p:nvSpPr>
+          <p:spPr>
+            <a:xfrm>
+              <a:off x="10896600" y="0"/>
+              <a:ext cx="1295400" cy="6858000"/>
+            </a:xfrm>
+            <a:custGeom>
+              <a:avLst/>
+              <a:gdLst/>
+              <a:ahLst/>
+              <a:cxnLst/>
+              <a:rect l="l" t="t" r="r" b="b"/>
+              <a:pathLst>
+                <a:path w="1295400" h="6858000">
+                  <a:moveTo>
+                    <a:pt x="1295399" y="0"/>
+                  </a:moveTo>
+                  <a:lnTo>
+                    <a:pt x="1022453" y="0"/>
+                  </a:lnTo>
+                  <a:lnTo>
+                    <a:pt x="0" y="6857996"/>
+                  </a:lnTo>
+                  <a:lnTo>
+                    <a:pt x="1295399" y="6857996"/>
+                  </a:lnTo>
+                  <a:lnTo>
+                    <a:pt x="1295399" y="0"/>
+                  </a:lnTo>
+                  <a:close/>
+                </a:path>
+              </a:pathLst>
+            </a:custGeom>
+            <a:solidFill>
+              <a:srgbClr val="2D83C3">
+                <a:alpha val="70195"/>
+              </a:srgbClr>
+            </a:solidFill>
+          </p:spPr>
+          <p:txBody>
+            <a:bodyPr wrap="square" lIns="0" tIns="0" rIns="0" bIns="0" rtlCol="0"/>
+            <a:lstStyle/>
+            <a:p>
+              <a:endParaRPr/>
+            </a:p>
+          </p:txBody>
+        </p:sp>
+        <p:sp>
+          <p:nvSpPr>
+            <p:cNvPr id="11" name="object 11"/>
+            <p:cNvSpPr/>
+            <p:nvPr/>
+          </p:nvSpPr>
+          <p:spPr>
+            <a:xfrm>
+              <a:off x="10936247" y="0"/>
+              <a:ext cx="1256030" cy="6858000"/>
+            </a:xfrm>
+            <a:custGeom>
+              <a:avLst/>
+              <a:gdLst/>
+              <a:ahLst/>
+              <a:cxnLst/>
+              <a:rect l="l" t="t" r="r" b="b"/>
+              <a:pathLst>
+                <a:path w="1256029" h="6858000">
+                  <a:moveTo>
+                    <a:pt x="1255752" y="0"/>
+                  </a:moveTo>
+                  <a:lnTo>
+                    <a:pt x="0" y="0"/>
+                  </a:lnTo>
+                  <a:lnTo>
+                    <a:pt x="1114527" y="6857996"/>
+                  </a:lnTo>
+                  <a:lnTo>
+                    <a:pt x="1255752" y="6857996"/>
+                  </a:lnTo>
+                  <a:lnTo>
+                    <a:pt x="1255752" y="0"/>
+                  </a:lnTo>
+                  <a:close/>
+                </a:path>
+              </a:pathLst>
+            </a:custGeom>
+            <a:solidFill>
+              <a:srgbClr val="226192">
+                <a:alpha val="79998"/>
+              </a:srgbClr>
+            </a:solidFill>
+          </p:spPr>
+          <p:txBody>
+            <a:bodyPr wrap="square" lIns="0" tIns="0" rIns="0" bIns="0" rtlCol="0"/>
+            <a:lstStyle/>
+            <a:p>
+              <a:endParaRPr/>
+            </a:p>
+          </p:txBody>
+        </p:sp>
+        <p:sp>
+          <p:nvSpPr>
+            <p:cNvPr id="12" name="object 12"/>
+            <p:cNvSpPr/>
+            <p:nvPr/>
+          </p:nvSpPr>
+          <p:spPr>
+            <a:xfrm>
+              <a:off x="10372725" y="3590925"/>
+              <a:ext cx="1819275" cy="3267075"/>
+            </a:xfrm>
+            <a:custGeom>
+              <a:avLst/>
+              <a:gdLst/>
+              <a:ahLst/>
+              <a:cxnLst/>
+              <a:rect l="l" t="t" r="r" b="b"/>
+              <a:pathLst>
+                <a:path w="1819275" h="3267075">
+                  <a:moveTo>
+                    <a:pt x="1819275" y="0"/>
+                  </a:moveTo>
+                  <a:lnTo>
+                    <a:pt x="0" y="3267075"/>
+                  </a:lnTo>
+                  <a:lnTo>
+                    <a:pt x="1819275" y="3267075"/>
+                  </a:lnTo>
+                  <a:lnTo>
+                    <a:pt x="1819275" y="0"/>
+                  </a:lnTo>
+                  <a:close/>
+                </a:path>
+              </a:pathLst>
+            </a:custGeom>
+            <a:solidFill>
+              <a:srgbClr val="17AFE3">
+                <a:alpha val="65881"/>
+              </a:srgbClr>
+            </a:solidFill>
+          </p:spPr>
+          <p:txBody>
+            <a:bodyPr wrap="square" lIns="0" tIns="0" rIns="0" bIns="0" rtlCol="0"/>
+            <a:lstStyle/>
+            <a:p>
+              <a:endParaRPr/>
+            </a:p>
+          </p:txBody>
+        </p:sp>
+      </p:grpSp>
+      <p:sp>
+        <p:nvSpPr>
+          <p:cNvPr id="13" name="object 13"/>
+          <p:cNvSpPr/>
+          <p:nvPr/>
+        </p:nvSpPr>
+        <p:spPr>
+          <a:xfrm>
+            <a:off x="0" y="4010025"/>
+            <a:ext cx="447675" cy="2847975"/>
+          </a:xfrm>
+          <a:custGeom>
+            <a:avLst/>
+            <a:gdLst/>
+            <a:ahLst/>
+            <a:cxnLst/>
+            <a:rect l="l" t="t" r="r" b="b"/>
+            <a:pathLst>
+              <a:path w="447675" h="2847975">
+                <a:moveTo>
+                  <a:pt x="0" y="0"/>
+                </a:moveTo>
+                <a:lnTo>
+                  <a:pt x="0" y="2847975"/>
+                </a:lnTo>
+                <a:lnTo>
+                  <a:pt x="447675" y="2847975"/>
+                </a:lnTo>
+                <a:lnTo>
+                  <a:pt x="0" y="0"/>
+                </a:lnTo>
+                <a:close/>
+              </a:path>
+            </a:pathLst>
+          </a:custGeom>
+          <a:solidFill>
+            <a:srgbClr val="5FCAEE">
+              <a:alpha val="70195"/>
+            </a:srgbClr>
+          </a:solidFill>
+        </p:spPr>
+        <p:txBody>
+          <a:bodyPr wrap="square" lIns="0" tIns="0" rIns="0" bIns="0" rtlCol="0"/>
+          <a:lstStyle/>
+          <a:p>
+            <a:endParaRPr/>
+          </a:p>
+        </p:txBody>
+      </p:sp>
+      <p:sp>
+        <p:nvSpPr>
+          <p:cNvPr id="14" name="object 14"/>
+          <p:cNvSpPr/>
+          <p:nvPr/>
+        </p:nvSpPr>
+        <p:spPr>
+          <a:xfrm>
+            <a:off x="9353550" y="5362575"/>
+            <a:ext cx="457200" cy="457200"/>
+          </a:xfrm>
+          <a:custGeom>
+            <a:avLst/>
+            <a:gdLst/>
+            <a:ahLst/>
+            <a:cxnLst/>
+            <a:rect l="l" t="t" r="r" b="b"/>
+            <a:pathLst>
+              <a:path w="457200" h="457200">
+                <a:moveTo>
+                  <a:pt x="457200" y="0"/>
+                </a:moveTo>
+                <a:lnTo>
+                  <a:pt x="0" y="0"/>
+                </a:lnTo>
+                <a:lnTo>
+                  <a:pt x="0" y="457200"/>
+                </a:lnTo>
+                <a:lnTo>
+                  <a:pt x="457200" y="457200"/>
+                </a:lnTo>
+                <a:lnTo>
+                  <a:pt x="457200" y="0"/>
+                </a:lnTo>
+                <a:close/>
+              </a:path>
+            </a:pathLst>
+          </a:custGeom>
+          <a:solidFill>
+            <a:srgbClr val="42AF51"/>
+          </a:solidFill>
+        </p:spPr>
+        <p:txBody>
+          <a:bodyPr wrap="square" lIns="0" tIns="0" rIns="0" bIns="0" rtlCol="0"/>
+          <a:lstStyle/>
+          <a:p>
+            <a:endParaRPr/>
+          </a:p>
+        </p:txBody>
+      </p:sp>
+      <p:sp>
+        <p:nvSpPr>
+          <p:cNvPr id="15" name="object 15"/>
+          <p:cNvSpPr/>
+          <p:nvPr/>
+        </p:nvSpPr>
+        <p:spPr>
+          <a:xfrm>
+            <a:off x="6696075" y="1695450"/>
+            <a:ext cx="314325" cy="323850"/>
+          </a:xfrm>
+          <a:custGeom>
+            <a:avLst/>
+            <a:gdLst/>
+            <a:ahLst/>
+            <a:cxnLst/>
+            <a:rect l="l" t="t" r="r" b="b"/>
+            <a:pathLst>
+              <a:path w="314325" h="323850">
+                <a:moveTo>
+                  <a:pt x="314325" y="0"/>
+                </a:moveTo>
+                <a:lnTo>
+                  <a:pt x="0" y="0"/>
+                </a:lnTo>
+                <a:lnTo>
+                  <a:pt x="0" y="323850"/>
+                </a:lnTo>
+                <a:lnTo>
+                  <a:pt x="314325" y="323850"/>
+                </a:lnTo>
+                <a:lnTo>
+                  <a:pt x="314325" y="0"/>
+                </a:lnTo>
+                <a:close/>
+              </a:path>
+            </a:pathLst>
+          </a:custGeom>
+          <a:solidFill>
+            <a:srgbClr val="2D83C3"/>
+          </a:solidFill>
+        </p:spPr>
+        <p:txBody>
+          <a:bodyPr wrap="square" lIns="0" tIns="0" rIns="0" bIns="0" rtlCol="0"/>
+          <a:lstStyle/>
+          <a:p>
+            <a:endParaRPr/>
+          </a:p>
+        </p:txBody>
+      </p:sp>
+      <p:sp>
+        <p:nvSpPr>
+          <p:cNvPr id="16" name="object 16"/>
+          <p:cNvSpPr/>
+          <p:nvPr/>
+        </p:nvSpPr>
+        <p:spPr>
+          <a:xfrm>
+            <a:off x="9353550" y="5895975"/>
+            <a:ext cx="180975" cy="180975"/>
+          </a:xfrm>
+          <a:custGeom>
+            <a:avLst/>
+            <a:gdLst/>
+            <a:ahLst/>
+            <a:cxnLst/>
+            <a:rect l="l" t="t" r="r" b="b"/>
+            <a:pathLst>
+              <a:path w="180975" h="180975">
+                <a:moveTo>
+                  <a:pt x="180975" y="0"/>
+                </a:moveTo>
+                <a:lnTo>
+                  <a:pt x="0" y="0"/>
+                </a:lnTo>
+                <a:lnTo>
+                  <a:pt x="0" y="180975"/>
+                </a:lnTo>
+                <a:lnTo>
+                  <a:pt x="180975" y="180975"/>
+                </a:lnTo>
+                <a:lnTo>
+                  <a:pt x="180975" y="0"/>
+                </a:lnTo>
+                <a:close/>
+              </a:path>
+            </a:pathLst>
+          </a:custGeom>
+          <a:solidFill>
+            <a:srgbClr val="2D936B"/>
+          </a:solidFill>
+        </p:spPr>
+        <p:txBody>
+          <a:bodyPr wrap="square" lIns="0" tIns="0" rIns="0" bIns="0" rtlCol="0"/>
+          <a:lstStyle/>
+          <a:p>
+            <a:endParaRPr/>
+          </a:p>
+        </p:txBody>
+      </p:sp>
+      <p:sp>
+        <p:nvSpPr>
+          <p:cNvPr id="17" name="object 17"/>
+          <p:cNvSpPr txBox="1">
+            <a:spLocks noGrp="1"/>
+          </p:cNvSpPr>
+          <p:nvPr>
+            <p:ph type="title"/>
+          </p:nvPr>
+        </p:nvSpPr>
+        <p:spPr>
+          <a:prstGeom prst="rect">
+            <a:avLst/>
+          </a:prstGeom>
+        </p:spPr>
+        <p:txBody>
+          <a:bodyPr vert="horz" wrap="square" lIns="0" tIns="16510" rIns="0" bIns="0" rtlCol="0">
+            <a:spAutoFit/>
+          </a:bodyPr>
+          <a:lstStyle/>
+          <a:p>
+            <a:pPr marL="12700">
+              <a:lnSpc>
+                <a:spcPct val="100000"/>
+              </a:lnSpc>
+              <a:spcBef>
+                <a:spcPts val="130"/>
+              </a:spcBef>
+            </a:pPr>
+            <a:r>
+              <a:rPr lang="en-US" sz="4250" spc="5" dirty="0" smtClean="0"/>
+              <a:t>DIGITAL </a:t>
+            </a:r>
+            <a:r>
+              <a:rPr lang="en-US" sz="4250" spc="5" dirty="0" smtClean="0"/>
+              <a:t>PORTFOLIO</a:t>
+            </a:r>
+            <a:endParaRPr sz="4250" dirty="0"/>
+          </a:p>
+        </p:txBody>
+      </p:sp>
+      <p:sp>
+        <p:nvSpPr>
+          <p:cNvPr id="36" name="Text Placeholder 35"/>
+          <p:cNvSpPr>
+            <a:spLocks noGrp="1"/>
+          </p:cNvSpPr>
+          <p:nvPr>
+            <p:ph type="body" idx="1"/>
+          </p:nvPr>
+        </p:nvSpPr>
+        <p:spPr/>
+        <p:txBody>
+          <a:bodyPr/>
+          <a:lstStyle/>
+          <a:p>
+            <a:endParaRPr lang="en-IN" dirty="0"/>
+          </a:p>
+        </p:txBody>
+      </p:sp>
+      <p:sp>
+        <p:nvSpPr>
+          <p:cNvPr id="22" name="object 22"/>
+          <p:cNvSpPr txBox="1">
+            <a:spLocks noGrp="1"/>
+          </p:cNvSpPr>
+          <p:nvPr>
+            <p:ph type="sldNum" sz="quarter" idx="7"/>
+          </p:nvPr>
+        </p:nvSpPr>
+        <p:spPr>
+          <a:prstGeom prst="rect">
+            <a:avLst/>
+          </a:prstGeom>
+        </p:spPr>
+        <p:txBody>
+          <a:bodyPr vert="horz" wrap="square" lIns="0" tIns="6985" rIns="0" bIns="0" rtlCol="0">
+            <a:spAutoFit/>
+          </a:bodyPr>
+          <a:lstStyle/>
+          <a:p>
+            <a:pPr marL="38100">
+              <a:lnSpc>
+                <a:spcPct val="100000"/>
+              </a:lnSpc>
+              <a:spcBef>
+                <a:spcPts val="55"/>
+              </a:spcBef>
+            </a:pPr>
+            <a:fld id="{81D60167-4931-47E6-BA6A-407CBD079E47}" type="slidenum">
+              <a:rPr spc="10" dirty="0"/>
+              <a:t>2</a:t>
+            </a:fld>
+            <a:endParaRPr spc="10" dirty="0"/>
+          </a:p>
+        </p:txBody>
+      </p:sp>
+      <p:grpSp>
+        <p:nvGrpSpPr>
+          <p:cNvPr id="18" name="object 18"/>
+          <p:cNvGrpSpPr/>
+          <p:nvPr/>
+        </p:nvGrpSpPr>
+        <p:grpSpPr>
+          <a:xfrm>
+            <a:off x="466725" y="6410325"/>
+            <a:ext cx="3705225" cy="295275"/>
+            <a:chOff x="466725" y="6410325"/>
+            <a:chExt cx="3705225" cy="295275"/>
+          </a:xfrm>
+        </p:grpSpPr>
+        <p:pic>
+          <p:nvPicPr>
+            <p:cNvPr id="19" name="object 19"/>
+            <p:cNvPicPr/>
+            <p:nvPr/>
+          </p:nvPicPr>
+          <p:blipFill>
+            <a:blip r:embed="rId2" cstate="print"/>
+            <a:stretch>
+              <a:fillRect/>
+            </a:stretch>
+          </p:blipFill>
+          <p:spPr>
+            <a:xfrm>
+              <a:off x="676275" y="6467475"/>
+              <a:ext cx="2143125" cy="200025"/>
+            </a:xfrm>
+            <a:prstGeom prst="rect">
+              <a:avLst/>
+            </a:prstGeom>
+          </p:spPr>
+        </p:pic>
+        <p:pic>
+          <p:nvPicPr>
+            <p:cNvPr id="20" name="object 20"/>
+            <p:cNvPicPr/>
+            <p:nvPr/>
+          </p:nvPicPr>
+          <p:blipFill>
+            <a:blip r:embed="rId3" cstate="print"/>
+            <a:stretch>
+              <a:fillRect/>
+            </a:stretch>
+          </p:blipFill>
+          <p:spPr>
+            <a:xfrm>
+              <a:off x="466725" y="6410325"/>
+              <a:ext cx="3705225" cy="295275"/>
+            </a:xfrm>
+            <a:prstGeom prst="rect">
+              <a:avLst/>
+            </a:prstGeom>
+          </p:spPr>
+        </p:pic>
+      </p:grpSp>
+      <p:sp>
+        <p:nvSpPr>
+          <p:cNvPr id="34" name="Rectangle 11"/>
+          <p:cNvSpPr>
+            <a:spLocks noChangeArrowheads="1"/>
+          </p:cNvSpPr>
+          <p:nvPr/>
+        </p:nvSpPr>
+        <p:spPr bwMode="auto">
+          <a:xfrm>
+            <a:off x="-62106" y="1040265"/>
+            <a:ext cx="12192000" cy="15875"/>
+          </a:xfrm>
+          <a:prstGeom prst="rect">
+            <a:avLst/>
+          </a:prstGeom>
+          <a:solidFill>
+            <a:srgbClr val="000000"/>
+          </a:solidFill>
+          <a:ln w="9525">
+            <a:solidFill>
+              <a:schemeClr val="tx1"/>
+            </a:solidFill>
+            <a:prstDash val="solid"/>
+            <a:miter lim="800000"/>
+            <a:headEnd/>
+            <a:tailEnd/>
+          </a:ln>
+          <a:effectLst/>
+          <a:extLst>
+            <a:ext uri="{AF507438-7753-43E0-B8FC-AC1667EBCBE1}">
+              <a14:hiddenEffects xmlns:a14="http://schemas.microsoft.com/office/drawing/2010/main">
+                <a:effectLst>
+                  <a:outerShdw dist="35921" dir="2700000" algn="ctr" rotWithShape="0">
+                    <a:schemeClr val="bg2"/>
+                  </a:outerShdw>
+                </a:effectLst>
+              </a14:hiddenEffects>
+            </a:ext>
+          </a:extLst>
+        </p:spPr>
+        <p:txBody>
+          <a:bodyPr vert="horz" wrap="none" lIns="91440" tIns="45720" rIns="91440" bIns="45720" numCol="1" anchor="ctr" anchorCtr="0" compatLnSpc="1">
+            <a:prstTxWarp prst="textNoShape">
+              <a:avLst/>
+            </a:prstTxWarp>
+            <a:spAutoFit/>
+          </a:bodyPr>
+          <a:lstStyle/>
+          <a:p>
+            <a:endParaRPr lang="en-IN"/>
+          </a:p>
+        </p:txBody>
+      </p:sp>
+      <p:sp>
+        <p:nvSpPr>
+          <p:cNvPr id="37" name="Rectangle 13"/>
+          <p:cNvSpPr>
+            <a:spLocks noChangeArrowheads="1"/>
+          </p:cNvSpPr>
+          <p:nvPr/>
+        </p:nvSpPr>
+        <p:spPr bwMode="auto">
+          <a:xfrm>
+            <a:off x="619405" y="1814231"/>
+            <a:ext cx="10890829" cy="677108"/>
+          </a:xfrm>
+          <a:prstGeom prst="rect">
+            <a:avLst/>
+          </a:prstGeom>
+          <a:noFill/>
+          <a:ln>
+            <a:noFill/>
+          </a:ln>
+          <a:effectLst/>
+          <a:extLst>
+            <a:ext uri="{909E8E84-426E-40DD-AFC4-6F175D3DCCD1}">
+              <a14:hiddenFill xmlns:a14="http://schemas.microsoft.com/office/drawing/2010/main">
+                <a:solidFill>
+                  <a:schemeClr val="accent1"/>
+                </a:solidFill>
+              </a14:hiddenFill>
+            </a:ext>
+            <a:ext uri="{91240B29-F687-4F45-9708-019B960494DF}">
+              <a14:hiddenLine xmlns:a14="http://schemas.microsoft.com/office/drawing/2010/main" w="9525">
+                <a:solidFill>
+                  <a:schemeClr val="tx1"/>
+                </a:solidFill>
+                <a:miter lim="800000"/>
+                <a:headEnd/>
+                <a:tailEnd/>
+              </a14:hiddenLine>
+            </a:ext>
+            <a:ext uri="{AF507438-7753-43E0-B8FC-AC1667EBCBE1}">
+              <a14:hiddenEffects xmlns:a14="http://schemas.microsoft.com/office/drawing/2010/main">
+                <a:effectLst>
+                  <a:outerShdw dist="35921" dir="2700000" algn="ctr" rotWithShape="0">
+                    <a:schemeClr val="bg2"/>
+                  </a:outerShdw>
+                </a:effectLst>
+              </a14:hiddenEffects>
+            </a:ext>
+          </a:extLst>
+        </p:spPr>
+        <p:txBody>
+          <a:bodyPr vert="horz" wrap="square" lIns="91440" tIns="45720" rIns="91440" bIns="45720" numCol="1" anchor="ctr" anchorCtr="0" compatLnSpc="1">
+            <a:prstTxWarp prst="textNoShape">
+              <a:avLst/>
+            </a:prstTxWarp>
+            <a:spAutoFit/>
+          </a:bodyPr>
+          <a:lstStyle/>
+          <a:p>
+            <a:pPr marL="0" marR="0" lvl="0" indent="0" algn="l" defTabSz="914400" rtl="0" eaLnBrk="0" fontAlgn="base" latinLnBrk="0" hangingPunct="0">
+              <a:lnSpc>
+                <a:spcPct val="100000"/>
+              </a:lnSpc>
+              <a:spcBef>
+                <a:spcPct val="0"/>
+              </a:spcBef>
+              <a:spcAft>
+                <a:spcPct val="0"/>
+              </a:spcAft>
+              <a:buClrTx/>
+              <a:buSzTx/>
+              <a:buFontTx/>
+              <a:buNone/>
+              <a:tabLst/>
+            </a:pPr>
+            <a:r>
+              <a:rPr kumimoji="0" lang="en-US" altLang="en-US" sz="1600" b="1" i="0" u="none" strike="noStrike" cap="none" normalizeH="0" baseline="0" dirty="0" smtClean="0">
+                <a:ln>
+                  <a:noFill/>
+                </a:ln>
+                <a:solidFill>
+                  <a:schemeClr val="tx1"/>
+                </a:solidFill>
+                <a:effectLst/>
+                <a:latin typeface="Arial" panose="020B0604020202020204" pitchFamily="34" charset="0"/>
+              </a:rPr>
+              <a:t>🔹 Project Overview</a:t>
+            </a:r>
+          </a:p>
+          <a:p>
+            <a:pPr marL="0" marR="0" lvl="0" indent="0" algn="l" defTabSz="914400" rtl="0" eaLnBrk="0" fontAlgn="base" latinLnBrk="0" hangingPunct="0">
+              <a:lnSpc>
+                <a:spcPct val="100000"/>
+              </a:lnSpc>
+              <a:spcBef>
+                <a:spcPct val="0"/>
+              </a:spcBef>
+              <a:spcAft>
+                <a:spcPct val="0"/>
+              </a:spcAft>
+              <a:buClrTx/>
+              <a:buSzTx/>
+              <a:buFontTx/>
+              <a:buNone/>
+              <a:tabLst/>
+            </a:pPr>
+            <a:r>
+              <a:rPr kumimoji="0" lang="en-US" altLang="en-US" sz="1100" b="0" i="0" u="none" strike="noStrike" cap="none" normalizeH="0" baseline="0" dirty="0" smtClean="0">
+                <a:ln>
+                  <a:noFill/>
+                </a:ln>
+                <a:solidFill>
+                  <a:schemeClr val="tx1"/>
+                </a:solidFill>
+                <a:effectLst/>
+                <a:latin typeface="Arial" panose="020B0604020202020204" pitchFamily="34" charset="0"/>
+              </a:rPr>
+              <a:t>The Student Attendance Management System is a web-based (or desktop/mobile, depending on your project) application designed to record, manage, and track student attendance efficiently. It eliminates the traditional paper-based method and provides accurate, secure, and quick access to attendance data.</a:t>
+            </a:r>
+            <a:endParaRPr kumimoji="0" lang="en-US" altLang="en-US" sz="1800" b="0" i="0" u="none" strike="noStrike" cap="none" normalizeH="0" baseline="0" dirty="0" smtClean="0">
+              <a:ln>
+                <a:noFill/>
+              </a:ln>
+              <a:solidFill>
+                <a:schemeClr val="tx1"/>
+              </a:solidFill>
+              <a:effectLst/>
+              <a:latin typeface="Arial" panose="020B0604020202020204" pitchFamily="34" charset="0"/>
+            </a:endParaRPr>
+          </a:p>
+        </p:txBody>
+      </p:sp>
+      <p:sp>
+        <p:nvSpPr>
+          <p:cNvPr id="38" name="Rectangle 14"/>
+          <p:cNvSpPr>
+            <a:spLocks noChangeArrowheads="1"/>
+          </p:cNvSpPr>
+          <p:nvPr/>
+        </p:nvSpPr>
+        <p:spPr bwMode="auto">
+          <a:xfrm>
+            <a:off x="0" y="457200"/>
+            <a:ext cx="12192000" cy="15875"/>
+          </a:xfrm>
+          <a:prstGeom prst="rect">
+            <a:avLst/>
+          </a:prstGeom>
+          <a:solidFill>
+            <a:srgbClr val="000000"/>
+          </a:solidFill>
+          <a:ln w="9525">
+            <a:solidFill>
+              <a:schemeClr val="tx1"/>
+            </a:solidFill>
+            <a:prstDash val="solid"/>
+            <a:miter lim="800000"/>
+            <a:headEnd/>
+            <a:tailEnd/>
+          </a:ln>
+          <a:effectLst/>
+          <a:extLst>
+            <a:ext uri="{AF507438-7753-43E0-B8FC-AC1667EBCBE1}">
+              <a14:hiddenEffects xmlns:a14="http://schemas.microsoft.com/office/drawing/2010/main">
+                <a:effectLst>
+                  <a:outerShdw dist="35921" dir="2700000" algn="ctr" rotWithShape="0">
+                    <a:schemeClr val="bg2"/>
+                  </a:outerShdw>
+                </a:effectLst>
+              </a14:hiddenEffects>
+            </a:ext>
+          </a:extLst>
+        </p:spPr>
+        <p:txBody>
+          <a:bodyPr vert="horz" wrap="none" lIns="91440" tIns="45720" rIns="91440" bIns="45720" numCol="1" anchor="ctr" anchorCtr="0" compatLnSpc="1">
+            <a:prstTxWarp prst="textNoShape">
+              <a:avLst/>
+            </a:prstTxWarp>
+            <a:spAutoFit/>
+          </a:bodyPr>
+          <a:lstStyle/>
+          <a:p>
+            <a:endParaRPr lang="en-IN"/>
+          </a:p>
+        </p:txBody>
+      </p:sp>
+      <p:sp>
+        <p:nvSpPr>
+          <p:cNvPr id="39" name="Rectangle 15"/>
+          <p:cNvSpPr>
+            <a:spLocks noChangeArrowheads="1"/>
+          </p:cNvSpPr>
+          <p:nvPr/>
+        </p:nvSpPr>
+        <p:spPr bwMode="auto">
+          <a:xfrm>
+            <a:off x="609600" y="2135757"/>
+            <a:ext cx="10894947" cy="923330"/>
+          </a:xfrm>
+          <a:prstGeom prst="rect">
+            <a:avLst/>
+          </a:prstGeom>
+          <a:noFill/>
+          <a:ln>
+            <a:noFill/>
+          </a:ln>
+          <a:effectLst/>
+          <a:extLst>
+            <a:ext uri="{909E8E84-426E-40DD-AFC4-6F175D3DCCD1}">
+              <a14:hiddenFill xmlns:a14="http://schemas.microsoft.com/office/drawing/2010/main">
+                <a:solidFill>
+                  <a:schemeClr val="accent1"/>
+                </a:solidFill>
+              </a14:hiddenFill>
+            </a:ext>
+            <a:ext uri="{91240B29-F687-4F45-9708-019B960494DF}">
+              <a14:hiddenLine xmlns:a14="http://schemas.microsoft.com/office/drawing/2010/main" w="9525">
+                <a:solidFill>
+                  <a:schemeClr val="tx1"/>
+                </a:solidFill>
+                <a:miter lim="800000"/>
+                <a:headEnd/>
+                <a:tailEnd/>
+              </a14:hiddenLine>
+            </a:ext>
+            <a:ext uri="{AF507438-7753-43E0-B8FC-AC1667EBCBE1}">
+              <a14:hiddenEffects xmlns:a14="http://schemas.microsoft.com/office/drawing/2010/main">
+                <a:effectLst>
+                  <a:outerShdw dist="35921" dir="2700000" algn="ctr" rotWithShape="0">
+                    <a:schemeClr val="bg2"/>
+                  </a:outerShdw>
+                </a:effectLst>
+              </a14:hiddenEffects>
+            </a:ext>
+          </a:extLst>
+        </p:spPr>
+        <p:txBody>
+          <a:bodyPr vert="horz" wrap="square" lIns="91440" tIns="45720" rIns="91440" bIns="45720" numCol="1" anchor="ctr" anchorCtr="0" compatLnSpc="1">
+            <a:prstTxWarp prst="textNoShape">
+              <a:avLst/>
+            </a:prstTxWarp>
+            <a:spAutoFit/>
+          </a:bodyPr>
+          <a:lstStyle/>
+          <a:p>
+            <a:pPr marL="0" marR="0" lvl="0" indent="0" algn="l" defTabSz="914400" rtl="0" eaLnBrk="0" fontAlgn="base" latinLnBrk="0" hangingPunct="0">
+              <a:lnSpc>
+                <a:spcPct val="100000"/>
+              </a:lnSpc>
+              <a:spcBef>
+                <a:spcPct val="0"/>
+              </a:spcBef>
+              <a:spcAft>
+                <a:spcPct val="0"/>
+              </a:spcAft>
+              <a:buClrTx/>
+              <a:buSzTx/>
+              <a:buFontTx/>
+              <a:buNone/>
+              <a:tabLst/>
+            </a:pPr>
+            <a:endParaRPr kumimoji="0" lang="en-US" altLang="en-US" sz="1600" b="1" i="0" u="none" strike="noStrike" cap="none" normalizeH="0" baseline="0" dirty="0" smtClean="0">
+              <a:ln>
+                <a:noFill/>
+              </a:ln>
+              <a:solidFill>
+                <a:schemeClr val="tx1"/>
+              </a:solidFill>
+              <a:effectLst/>
+              <a:latin typeface="Arial" panose="020B0604020202020204" pitchFamily="34" charset="0"/>
+            </a:endParaRPr>
+          </a:p>
+          <a:p>
+            <a:pPr marL="0" marR="0" lvl="0" indent="0" algn="l" defTabSz="914400" rtl="0" eaLnBrk="0" fontAlgn="base" latinLnBrk="0" hangingPunct="0">
+              <a:lnSpc>
+                <a:spcPct val="100000"/>
+              </a:lnSpc>
+              <a:spcBef>
+                <a:spcPct val="0"/>
+              </a:spcBef>
+              <a:spcAft>
+                <a:spcPct val="0"/>
+              </a:spcAft>
+              <a:buClrTx/>
+              <a:buSzTx/>
+              <a:buFontTx/>
+              <a:buNone/>
+              <a:tabLst/>
+            </a:pPr>
+            <a:r>
+              <a:rPr kumimoji="0" lang="en-US" altLang="en-US" sz="1600" b="1" i="0" u="none" strike="noStrike" cap="none" normalizeH="0" baseline="0" dirty="0" smtClean="0">
+                <a:ln>
+                  <a:noFill/>
+                </a:ln>
+                <a:solidFill>
+                  <a:schemeClr val="tx1"/>
+                </a:solidFill>
+                <a:effectLst/>
+                <a:latin typeface="Arial" panose="020B0604020202020204" pitchFamily="34" charset="0"/>
+              </a:rPr>
+              <a:t>🔹 Problem Statement</a:t>
+            </a:r>
+          </a:p>
+          <a:p>
+            <a:pPr marL="0" marR="0" lvl="0" indent="0" algn="l" defTabSz="914400" rtl="0" eaLnBrk="0" fontAlgn="base" latinLnBrk="0" hangingPunct="0">
+              <a:lnSpc>
+                <a:spcPct val="100000"/>
+              </a:lnSpc>
+              <a:spcBef>
+                <a:spcPct val="0"/>
+              </a:spcBef>
+              <a:spcAft>
+                <a:spcPct val="0"/>
+              </a:spcAft>
+              <a:buClrTx/>
+              <a:buSzTx/>
+              <a:buFontTx/>
+              <a:buNone/>
+              <a:tabLst/>
+            </a:pPr>
+            <a:r>
+              <a:rPr kumimoji="0" lang="en-US" altLang="en-US" sz="1100" b="0" i="0" u="none" strike="noStrike" cap="none" normalizeH="0" baseline="0" dirty="0" smtClean="0">
+                <a:ln>
+                  <a:noFill/>
+                </a:ln>
+                <a:solidFill>
+                  <a:schemeClr val="tx1"/>
+                </a:solidFill>
+                <a:effectLst/>
+                <a:latin typeface="Arial" panose="020B0604020202020204" pitchFamily="34" charset="0"/>
+              </a:rPr>
+              <a:t>Traditional methods of recording attendance are time-consuming, prone to human error, and difficult to maintain. Teachers and administrators face challenges in preparing reports and ensuring data accuracy. A digital attendance management system is needed to automate and simplify this process.</a:t>
+            </a:r>
+            <a:endParaRPr kumimoji="0" lang="en-US" altLang="en-US" sz="1800" b="0" i="0" u="none" strike="noStrike" cap="none" normalizeH="0" baseline="0" dirty="0" smtClean="0">
+              <a:ln>
+                <a:noFill/>
+              </a:ln>
+              <a:solidFill>
+                <a:schemeClr val="tx1"/>
+              </a:solidFill>
+              <a:effectLst/>
+              <a:latin typeface="Arial" panose="020B0604020202020204" pitchFamily="34" charset="0"/>
+            </a:endParaRPr>
+          </a:p>
+        </p:txBody>
+      </p:sp>
+    </p:spTree>
+  </p:cSld>
+  <p:clrMapOvr>
+    <a:masterClrMapping/>
+  </p:clrMapOvr>
+  <p:timing>
+    <p:tnLst>
+      <p:par>
+        <p:cTn id="1" dur="indefinite" restart="never" nodeType="tmRoot"/>
+      </p:par>
+    </p:tnLst>
+  </p:timing>
+</p:sld>
+</file>
+
+<file path=ppt/slides/slide3.xml><?xml version="1.0" encoding="utf-8"?>
+<p:sld xmlns:a="http://schemas.openxmlformats.org/drawingml/2006/main" xmlns:r="http://schemas.openxmlformats.org/officeDocument/2006/relationships" xmlns:p="http://schemas.openxmlformats.org/presentationml/2006/main" showMasterSp="0">
+  <p:cSld>
+    <p:spTree>
+      <p:nvGrpSpPr>
+        <p:cNvPr id="1" name=""/>
+        <p:cNvGrpSpPr/>
+        <p:nvPr/>
+      </p:nvGrpSpPr>
+      <p:grpSpPr>
+        <a:xfrm>
+          <a:off x="0" y="0"/>
+          <a:ext cx="0" cy="0"/>
+          <a:chOff x="0" y="0"/>
+          <a:chExt cx="0" cy="0"/>
+        </a:xfrm>
+      </p:grpSpPr>
+      <p:sp>
+        <p:nvSpPr>
+          <p:cNvPr id="2" name="object 2"/>
+          <p:cNvSpPr/>
+          <p:nvPr/>
+        </p:nvSpPr>
+        <p:spPr>
+          <a:xfrm>
+            <a:off x="-76200" y="28579"/>
+            <a:ext cx="12481713" cy="6858000"/>
+          </a:xfrm>
+          <a:custGeom>
+            <a:avLst/>
+            <a:gdLst/>
+            <a:ahLst/>
+            <a:cxnLst/>
+            <a:rect l="l" t="t" r="r" b="b"/>
+            <a:pathLst>
+              <a:path w="12192000" h="6858000">
+                <a:moveTo>
+                  <a:pt x="12192000" y="0"/>
+                </a:moveTo>
+                <a:lnTo>
+                  <a:pt x="0" y="0"/>
+                </a:lnTo>
+                <a:lnTo>
+                  <a:pt x="0" y="6858000"/>
+                </a:lnTo>
+                <a:lnTo>
+                  <a:pt x="12192000" y="6858000"/>
+                </a:lnTo>
+                <a:lnTo>
+                  <a:pt x="12192000" y="0"/>
+                </a:lnTo>
+                <a:close/>
+              </a:path>
+            </a:pathLst>
+          </a:custGeom>
+          <a:solidFill>
+            <a:srgbClr val="F1F1F1"/>
+          </a:solidFill>
+        </p:spPr>
+        <p:txBody>
+          <a:bodyPr wrap="square" lIns="0" tIns="0" rIns="0" bIns="0" rtlCol="0"/>
+          <a:lstStyle/>
+          <a:p>
+            <a:endParaRPr dirty="0"/>
           </a:p>
         </p:txBody>
       </p:sp>
@@ -4281,901 +5668,6 @@
       <p:sp>
         <p:nvSpPr>
           <p:cNvPr id="14" name="object 14"/>
-          <p:cNvSpPr/>
-          <p:nvPr/>
-        </p:nvSpPr>
-        <p:spPr>
-          <a:xfrm>
-            <a:off x="9353550" y="5362575"/>
-            <a:ext cx="457200" cy="457200"/>
-          </a:xfrm>
-          <a:custGeom>
-            <a:avLst/>
-            <a:gdLst/>
-            <a:ahLst/>
-            <a:cxnLst/>
-            <a:rect l="l" t="t" r="r" b="b"/>
-            <a:pathLst>
-              <a:path w="457200" h="457200">
-                <a:moveTo>
-                  <a:pt x="457200" y="0"/>
-                </a:moveTo>
-                <a:lnTo>
-                  <a:pt x="0" y="0"/>
-                </a:lnTo>
-                <a:lnTo>
-                  <a:pt x="0" y="457200"/>
-                </a:lnTo>
-                <a:lnTo>
-                  <a:pt x="457200" y="457200"/>
-                </a:lnTo>
-                <a:lnTo>
-                  <a:pt x="457200" y="0"/>
-                </a:lnTo>
-                <a:close/>
-              </a:path>
-            </a:pathLst>
-          </a:custGeom>
-          <a:solidFill>
-            <a:srgbClr val="42AF51"/>
-          </a:solidFill>
-        </p:spPr>
-        <p:txBody>
-          <a:bodyPr wrap="square" lIns="0" tIns="0" rIns="0" bIns="0" rtlCol="0"/>
-          <a:lstStyle/>
-          <a:p>
-            <a:endParaRPr/>
-          </a:p>
-        </p:txBody>
-      </p:sp>
-      <p:sp>
-        <p:nvSpPr>
-          <p:cNvPr id="15" name="object 15"/>
-          <p:cNvSpPr/>
-          <p:nvPr/>
-        </p:nvSpPr>
-        <p:spPr>
-          <a:xfrm>
-            <a:off x="6696075" y="1695450"/>
-            <a:ext cx="314325" cy="323850"/>
-          </a:xfrm>
-          <a:custGeom>
-            <a:avLst/>
-            <a:gdLst/>
-            <a:ahLst/>
-            <a:cxnLst/>
-            <a:rect l="l" t="t" r="r" b="b"/>
-            <a:pathLst>
-              <a:path w="314325" h="323850">
-                <a:moveTo>
-                  <a:pt x="314325" y="0"/>
-                </a:moveTo>
-                <a:lnTo>
-                  <a:pt x="0" y="0"/>
-                </a:lnTo>
-                <a:lnTo>
-                  <a:pt x="0" y="323850"/>
-                </a:lnTo>
-                <a:lnTo>
-                  <a:pt x="314325" y="323850"/>
-                </a:lnTo>
-                <a:lnTo>
-                  <a:pt x="314325" y="0"/>
-                </a:lnTo>
-                <a:close/>
-              </a:path>
-            </a:pathLst>
-          </a:custGeom>
-          <a:solidFill>
-            <a:srgbClr val="2D83C3"/>
-          </a:solidFill>
-        </p:spPr>
-        <p:txBody>
-          <a:bodyPr wrap="square" lIns="0" tIns="0" rIns="0" bIns="0" rtlCol="0"/>
-          <a:lstStyle/>
-          <a:p>
-            <a:endParaRPr/>
-          </a:p>
-        </p:txBody>
-      </p:sp>
-      <p:sp>
-        <p:nvSpPr>
-          <p:cNvPr id="16" name="object 16"/>
-          <p:cNvSpPr/>
-          <p:nvPr/>
-        </p:nvSpPr>
-        <p:spPr>
-          <a:xfrm>
-            <a:off x="9353550" y="5895975"/>
-            <a:ext cx="180975" cy="180975"/>
-          </a:xfrm>
-          <a:custGeom>
-            <a:avLst/>
-            <a:gdLst/>
-            <a:ahLst/>
-            <a:cxnLst/>
-            <a:rect l="l" t="t" r="r" b="b"/>
-            <a:pathLst>
-              <a:path w="180975" h="180975">
-                <a:moveTo>
-                  <a:pt x="180975" y="0"/>
-                </a:moveTo>
-                <a:lnTo>
-                  <a:pt x="0" y="0"/>
-                </a:lnTo>
-                <a:lnTo>
-                  <a:pt x="0" y="180975"/>
-                </a:lnTo>
-                <a:lnTo>
-                  <a:pt x="180975" y="180975"/>
-                </a:lnTo>
-                <a:lnTo>
-                  <a:pt x="180975" y="0"/>
-                </a:lnTo>
-                <a:close/>
-              </a:path>
-            </a:pathLst>
-          </a:custGeom>
-          <a:solidFill>
-            <a:srgbClr val="2D936B"/>
-          </a:solidFill>
-        </p:spPr>
-        <p:txBody>
-          <a:bodyPr wrap="square" lIns="0" tIns="0" rIns="0" bIns="0" rtlCol="0"/>
-          <a:lstStyle/>
-          <a:p>
-            <a:endParaRPr/>
-          </a:p>
-        </p:txBody>
-      </p:sp>
-      <p:sp>
-        <p:nvSpPr>
-          <p:cNvPr id="17" name="object 17"/>
-          <p:cNvSpPr txBox="1">
-            <a:spLocks noGrp="1"/>
-          </p:cNvSpPr>
-          <p:nvPr>
-            <p:ph type="title"/>
-          </p:nvPr>
-        </p:nvSpPr>
-        <p:spPr>
-          <a:prstGeom prst="rect">
-            <a:avLst/>
-          </a:prstGeom>
-        </p:spPr>
-        <p:txBody>
-          <a:bodyPr vert="horz" wrap="square" lIns="0" tIns="16510" rIns="0" bIns="0" rtlCol="0">
-            <a:spAutoFit/>
-          </a:bodyPr>
-          <a:lstStyle/>
-          <a:p>
-            <a:pPr marL="12700">
-              <a:lnSpc>
-                <a:spcPct val="100000"/>
-              </a:lnSpc>
-              <a:spcBef>
-                <a:spcPts val="130"/>
-              </a:spcBef>
-            </a:pPr>
-            <a:r>
-              <a:rPr lang="en-US" sz="4250" spc="5" dirty="0" smtClean="0"/>
-              <a:t>DIGITAL PORTFOIO</a:t>
-            </a:r>
-            <a:endParaRPr sz="4250" dirty="0"/>
-          </a:p>
-        </p:txBody>
-      </p:sp>
-      <p:sp>
-        <p:nvSpPr>
-          <p:cNvPr id="21" name="Text Placeholder 20"/>
-          <p:cNvSpPr>
-            <a:spLocks noGrp="1"/>
-          </p:cNvSpPr>
-          <p:nvPr>
-            <p:ph type="body" idx="1"/>
-          </p:nvPr>
-        </p:nvSpPr>
-        <p:spPr>
-          <a:xfrm>
-            <a:off x="609600" y="1577340"/>
-            <a:ext cx="10972800" cy="276999"/>
-          </a:xfrm>
-        </p:spPr>
-        <p:txBody>
-          <a:bodyPr/>
-          <a:lstStyle/>
-          <a:p>
-            <a:endParaRPr lang="en-US" dirty="0"/>
-          </a:p>
-        </p:txBody>
-      </p:sp>
-      <p:sp>
-        <p:nvSpPr>
-          <p:cNvPr id="22" name="object 22"/>
-          <p:cNvSpPr txBox="1">
-            <a:spLocks noGrp="1"/>
-          </p:cNvSpPr>
-          <p:nvPr>
-            <p:ph type="sldNum" sz="quarter" idx="7"/>
-          </p:nvPr>
-        </p:nvSpPr>
-        <p:spPr>
-          <a:prstGeom prst="rect">
-            <a:avLst/>
-          </a:prstGeom>
-        </p:spPr>
-        <p:txBody>
-          <a:bodyPr vert="horz" wrap="square" lIns="0" tIns="6985" rIns="0" bIns="0" rtlCol="0">
-            <a:spAutoFit/>
-          </a:bodyPr>
-          <a:lstStyle/>
-          <a:p>
-            <a:pPr marL="38100">
-              <a:lnSpc>
-                <a:spcPct val="100000"/>
-              </a:lnSpc>
-              <a:spcBef>
-                <a:spcPts val="55"/>
-              </a:spcBef>
-            </a:pPr>
-            <a:fld id="{81D60167-4931-47E6-BA6A-407CBD079E47}" type="slidenum">
-              <a:rPr spc="10" dirty="0"/>
-              <a:t>2</a:t>
-            </a:fld>
-            <a:endParaRPr spc="10" dirty="0"/>
-          </a:p>
-        </p:txBody>
-      </p:sp>
-      <p:grpSp>
-        <p:nvGrpSpPr>
-          <p:cNvPr id="18" name="object 18"/>
-          <p:cNvGrpSpPr/>
-          <p:nvPr/>
-        </p:nvGrpSpPr>
-        <p:grpSpPr>
-          <a:xfrm>
-            <a:off x="466725" y="6410325"/>
-            <a:ext cx="3705225" cy="295275"/>
-            <a:chOff x="466725" y="6410325"/>
-            <a:chExt cx="3705225" cy="295275"/>
-          </a:xfrm>
-        </p:grpSpPr>
-        <p:pic>
-          <p:nvPicPr>
-            <p:cNvPr id="19" name="object 19"/>
-            <p:cNvPicPr/>
-            <p:nvPr/>
-          </p:nvPicPr>
-          <p:blipFill>
-            <a:blip r:embed="rId2" cstate="print"/>
-            <a:stretch>
-              <a:fillRect/>
-            </a:stretch>
-          </p:blipFill>
-          <p:spPr>
-            <a:xfrm>
-              <a:off x="676275" y="6467475"/>
-              <a:ext cx="2143125" cy="200025"/>
-            </a:xfrm>
-            <a:prstGeom prst="rect">
-              <a:avLst/>
-            </a:prstGeom>
-          </p:spPr>
-        </p:pic>
-        <p:pic>
-          <p:nvPicPr>
-            <p:cNvPr id="20" name="object 20"/>
-            <p:cNvPicPr/>
-            <p:nvPr/>
-          </p:nvPicPr>
-          <p:blipFill>
-            <a:blip r:embed="rId3" cstate="print"/>
-            <a:stretch>
-              <a:fillRect/>
-            </a:stretch>
-          </p:blipFill>
-          <p:spPr>
-            <a:xfrm>
-              <a:off x="466725" y="6410325"/>
-              <a:ext cx="3705225" cy="295275"/>
-            </a:xfrm>
-            <a:prstGeom prst="rect">
-              <a:avLst/>
-            </a:prstGeom>
-          </p:spPr>
-        </p:pic>
-      </p:grpSp>
-    </p:spTree>
-  </p:cSld>
-  <p:clrMapOvr>
-    <a:masterClrMapping/>
-  </p:clrMapOvr>
-  <p:timing>
-    <p:tnLst>
-      <p:par>
-        <p:cTn id="1" dur="indefinite" restart="never" nodeType="tmRoot"/>
-      </p:par>
-    </p:tnLst>
-  </p:timing>
-</p:sld>
-</file>
-
-<file path=ppt/slides/slide3.xml><?xml version="1.0" encoding="utf-8"?>
-<p:sld xmlns:a="http://schemas.openxmlformats.org/drawingml/2006/main" xmlns:r="http://schemas.openxmlformats.org/officeDocument/2006/relationships" xmlns:p="http://schemas.openxmlformats.org/presentationml/2006/main" showMasterSp="0">
-  <p:cSld>
-    <p:spTree>
-      <p:nvGrpSpPr>
-        <p:cNvPr id="1" name=""/>
-        <p:cNvGrpSpPr/>
-        <p:nvPr/>
-      </p:nvGrpSpPr>
-      <p:grpSpPr>
-        <a:xfrm>
-          <a:off x="0" y="0"/>
-          <a:ext cx="0" cy="0"/>
-          <a:chOff x="0" y="0"/>
-          <a:chExt cx="0" cy="0"/>
-        </a:xfrm>
-      </p:grpSpPr>
-      <p:sp>
-        <p:nvSpPr>
-          <p:cNvPr id="2" name="object 2"/>
-          <p:cNvSpPr/>
-          <p:nvPr/>
-        </p:nvSpPr>
-        <p:spPr>
-          <a:xfrm>
-            <a:off x="-76200" y="28579"/>
-            <a:ext cx="12481713" cy="6858000"/>
-          </a:xfrm>
-          <a:custGeom>
-            <a:avLst/>
-            <a:gdLst/>
-            <a:ahLst/>
-            <a:cxnLst/>
-            <a:rect l="l" t="t" r="r" b="b"/>
-            <a:pathLst>
-              <a:path w="12192000" h="6858000">
-                <a:moveTo>
-                  <a:pt x="12192000" y="0"/>
-                </a:moveTo>
-                <a:lnTo>
-                  <a:pt x="0" y="0"/>
-                </a:lnTo>
-                <a:lnTo>
-                  <a:pt x="0" y="6858000"/>
-                </a:lnTo>
-                <a:lnTo>
-                  <a:pt x="12192000" y="6858000"/>
-                </a:lnTo>
-                <a:lnTo>
-                  <a:pt x="12192000" y="0"/>
-                </a:lnTo>
-                <a:close/>
-              </a:path>
-            </a:pathLst>
-          </a:custGeom>
-          <a:solidFill>
-            <a:srgbClr val="F1F1F1"/>
-          </a:solidFill>
-        </p:spPr>
-        <p:txBody>
-          <a:bodyPr wrap="square" lIns="0" tIns="0" rIns="0" bIns="0" rtlCol="0"/>
-          <a:lstStyle/>
-          <a:p>
-            <a:endParaRPr dirty="0"/>
-          </a:p>
-        </p:txBody>
-      </p:sp>
-      <p:grpSp>
-        <p:nvGrpSpPr>
-          <p:cNvPr id="3" name="object 3"/>
-          <p:cNvGrpSpPr/>
-          <p:nvPr/>
-        </p:nvGrpSpPr>
-        <p:grpSpPr>
-          <a:xfrm>
-            <a:off x="7443849" y="0"/>
-            <a:ext cx="4752975" cy="6863080"/>
-            <a:chOff x="7443849" y="0"/>
-            <a:chExt cx="4752975" cy="6863080"/>
-          </a:xfrm>
-        </p:grpSpPr>
-        <p:sp>
-          <p:nvSpPr>
-            <p:cNvPr id="4" name="object 4"/>
-            <p:cNvSpPr/>
-            <p:nvPr/>
-          </p:nvSpPr>
-          <p:spPr>
-            <a:xfrm>
-              <a:off x="9377426" y="4825"/>
-              <a:ext cx="1218565" cy="6853555"/>
-            </a:xfrm>
-            <a:custGeom>
-              <a:avLst/>
-              <a:gdLst/>
-              <a:ahLst/>
-              <a:cxnLst/>
-              <a:rect l="l" t="t" r="r" b="b"/>
-              <a:pathLst>
-                <a:path w="1218565" h="6853555">
-                  <a:moveTo>
-                    <a:pt x="0" y="0"/>
-                  </a:moveTo>
-                  <a:lnTo>
-                    <a:pt x="1218352" y="6853171"/>
-                  </a:lnTo>
-                </a:path>
-              </a:pathLst>
-            </a:custGeom>
-            <a:ln w="9525">
-              <a:solidFill>
-                <a:srgbClr val="5FCAEE"/>
-              </a:solidFill>
-            </a:ln>
-          </p:spPr>
-          <p:txBody>
-            <a:bodyPr wrap="square" lIns="0" tIns="0" rIns="0" bIns="0" rtlCol="0"/>
-            <a:lstStyle/>
-            <a:p>
-              <a:endParaRPr/>
-            </a:p>
-          </p:txBody>
-        </p:sp>
-        <p:sp>
-          <p:nvSpPr>
-            <p:cNvPr id="5" name="object 5"/>
-            <p:cNvSpPr/>
-            <p:nvPr/>
-          </p:nvSpPr>
-          <p:spPr>
-            <a:xfrm>
-              <a:off x="7448612" y="3694896"/>
-              <a:ext cx="4743450" cy="3163570"/>
-            </a:xfrm>
-            <a:custGeom>
-              <a:avLst/>
-              <a:gdLst/>
-              <a:ahLst/>
-              <a:cxnLst/>
-              <a:rect l="l" t="t" r="r" b="b"/>
-              <a:pathLst>
-                <a:path w="4743450" h="3163570">
-                  <a:moveTo>
-                    <a:pt x="4743387" y="0"/>
-                  </a:moveTo>
-                  <a:lnTo>
-                    <a:pt x="0" y="3163101"/>
-                  </a:lnTo>
-                </a:path>
-              </a:pathLst>
-            </a:custGeom>
-            <a:ln w="9525">
-              <a:solidFill>
-                <a:srgbClr val="5FCAEE"/>
-              </a:solidFill>
-            </a:ln>
-          </p:spPr>
-          <p:txBody>
-            <a:bodyPr wrap="square" lIns="0" tIns="0" rIns="0" bIns="0" rtlCol="0"/>
-            <a:lstStyle/>
-            <a:p>
-              <a:endParaRPr/>
-            </a:p>
-          </p:txBody>
-        </p:sp>
-        <p:sp>
-          <p:nvSpPr>
-            <p:cNvPr id="6" name="object 6"/>
-            <p:cNvSpPr/>
-            <p:nvPr/>
-          </p:nvSpPr>
-          <p:spPr>
-            <a:xfrm>
-              <a:off x="9182100" y="0"/>
-              <a:ext cx="3009900" cy="6858000"/>
-            </a:xfrm>
-            <a:custGeom>
-              <a:avLst/>
-              <a:gdLst/>
-              <a:ahLst/>
-              <a:cxnLst/>
-              <a:rect l="l" t="t" r="r" b="b"/>
-              <a:pathLst>
-                <a:path w="3009900" h="6858000">
-                  <a:moveTo>
-                    <a:pt x="3009899" y="0"/>
-                  </a:moveTo>
-                  <a:lnTo>
-                    <a:pt x="2044399" y="0"/>
-                  </a:lnTo>
-                  <a:lnTo>
-                    <a:pt x="0" y="6857996"/>
-                  </a:lnTo>
-                  <a:lnTo>
-                    <a:pt x="3009899" y="6857996"/>
-                  </a:lnTo>
-                  <a:lnTo>
-                    <a:pt x="3009899" y="0"/>
-                  </a:lnTo>
-                  <a:close/>
-                </a:path>
-              </a:pathLst>
-            </a:custGeom>
-            <a:solidFill>
-              <a:srgbClr val="5FCAEE">
-                <a:alpha val="36077"/>
-              </a:srgbClr>
-            </a:solidFill>
-          </p:spPr>
-          <p:txBody>
-            <a:bodyPr wrap="square" lIns="0" tIns="0" rIns="0" bIns="0" rtlCol="0"/>
-            <a:lstStyle/>
-            <a:p>
-              <a:endParaRPr/>
-            </a:p>
-          </p:txBody>
-        </p:sp>
-        <p:sp>
-          <p:nvSpPr>
-            <p:cNvPr id="7" name="object 7"/>
-            <p:cNvSpPr/>
-            <p:nvPr/>
-          </p:nvSpPr>
-          <p:spPr>
-            <a:xfrm>
-              <a:off x="9602878" y="0"/>
-              <a:ext cx="2589530" cy="6858000"/>
-            </a:xfrm>
-            <a:custGeom>
-              <a:avLst/>
-              <a:gdLst/>
-              <a:ahLst/>
-              <a:cxnLst/>
-              <a:rect l="l" t="t" r="r" b="b"/>
-              <a:pathLst>
-                <a:path w="2589529" h="6858000">
-                  <a:moveTo>
-                    <a:pt x="2589120" y="0"/>
-                  </a:moveTo>
-                  <a:lnTo>
-                    <a:pt x="0" y="0"/>
-                  </a:lnTo>
-                  <a:lnTo>
-                    <a:pt x="1208884" y="6857996"/>
-                  </a:lnTo>
-                  <a:lnTo>
-                    <a:pt x="2589120" y="6857996"/>
-                  </a:lnTo>
-                  <a:lnTo>
-                    <a:pt x="2589120" y="0"/>
-                  </a:lnTo>
-                  <a:close/>
-                </a:path>
-              </a:pathLst>
-            </a:custGeom>
-            <a:solidFill>
-              <a:srgbClr val="5FCAEE">
-                <a:alpha val="19999"/>
-              </a:srgbClr>
-            </a:solidFill>
-          </p:spPr>
-          <p:txBody>
-            <a:bodyPr wrap="square" lIns="0" tIns="0" rIns="0" bIns="0" rtlCol="0"/>
-            <a:lstStyle/>
-            <a:p>
-              <a:endParaRPr/>
-            </a:p>
-          </p:txBody>
-        </p:sp>
-        <p:sp>
-          <p:nvSpPr>
-            <p:cNvPr id="8" name="object 8"/>
-            <p:cNvSpPr/>
-            <p:nvPr/>
-          </p:nvSpPr>
-          <p:spPr>
-            <a:xfrm>
-              <a:off x="8934450" y="3048000"/>
-              <a:ext cx="3257550" cy="3810000"/>
-            </a:xfrm>
-            <a:custGeom>
-              <a:avLst/>
-              <a:gdLst/>
-              <a:ahLst/>
-              <a:cxnLst/>
-              <a:rect l="l" t="t" r="r" b="b"/>
-              <a:pathLst>
-                <a:path w="3257550" h="3810000">
-                  <a:moveTo>
-                    <a:pt x="3257550" y="0"/>
-                  </a:moveTo>
-                  <a:lnTo>
-                    <a:pt x="0" y="3810000"/>
-                  </a:lnTo>
-                  <a:lnTo>
-                    <a:pt x="3257550" y="3810000"/>
-                  </a:lnTo>
-                  <a:lnTo>
-                    <a:pt x="3257550" y="0"/>
-                  </a:lnTo>
-                  <a:close/>
-                </a:path>
-              </a:pathLst>
-            </a:custGeom>
-            <a:solidFill>
-              <a:srgbClr val="17AFE3">
-                <a:alpha val="65881"/>
-              </a:srgbClr>
-            </a:solidFill>
-          </p:spPr>
-          <p:txBody>
-            <a:bodyPr wrap="square" lIns="0" tIns="0" rIns="0" bIns="0" rtlCol="0"/>
-            <a:lstStyle/>
-            <a:p>
-              <a:endParaRPr/>
-            </a:p>
-          </p:txBody>
-        </p:sp>
-        <p:sp>
-          <p:nvSpPr>
-            <p:cNvPr id="9" name="object 9"/>
-            <p:cNvSpPr/>
-            <p:nvPr/>
-          </p:nvSpPr>
-          <p:spPr>
-            <a:xfrm>
-              <a:off x="9337930" y="0"/>
-              <a:ext cx="2854325" cy="6858000"/>
-            </a:xfrm>
-            <a:custGeom>
-              <a:avLst/>
-              <a:gdLst/>
-              <a:ahLst/>
-              <a:cxnLst/>
-              <a:rect l="l" t="t" r="r" b="b"/>
-              <a:pathLst>
-                <a:path w="2854325" h="6858000">
-                  <a:moveTo>
-                    <a:pt x="2854069" y="0"/>
-                  </a:moveTo>
-                  <a:lnTo>
-                    <a:pt x="0" y="0"/>
-                  </a:lnTo>
-                  <a:lnTo>
-                    <a:pt x="2470020" y="6857996"/>
-                  </a:lnTo>
-                  <a:lnTo>
-                    <a:pt x="2854069" y="6857996"/>
-                  </a:lnTo>
-                  <a:lnTo>
-                    <a:pt x="2854069" y="0"/>
-                  </a:lnTo>
-                  <a:close/>
-                </a:path>
-              </a:pathLst>
-            </a:custGeom>
-            <a:solidFill>
-              <a:srgbClr val="17AFE3">
-                <a:alpha val="50195"/>
-              </a:srgbClr>
-            </a:solidFill>
-          </p:spPr>
-          <p:txBody>
-            <a:bodyPr wrap="square" lIns="0" tIns="0" rIns="0" bIns="0" rtlCol="0"/>
-            <a:lstStyle/>
-            <a:p>
-              <a:endParaRPr/>
-            </a:p>
-          </p:txBody>
-        </p:sp>
-        <p:sp>
-          <p:nvSpPr>
-            <p:cNvPr id="10" name="object 10"/>
-            <p:cNvSpPr/>
-            <p:nvPr/>
-          </p:nvSpPr>
-          <p:spPr>
-            <a:xfrm>
-              <a:off x="10896600" y="0"/>
-              <a:ext cx="1295400" cy="6858000"/>
-            </a:xfrm>
-            <a:custGeom>
-              <a:avLst/>
-              <a:gdLst/>
-              <a:ahLst/>
-              <a:cxnLst/>
-              <a:rect l="l" t="t" r="r" b="b"/>
-              <a:pathLst>
-                <a:path w="1295400" h="6858000">
-                  <a:moveTo>
-                    <a:pt x="1295399" y="0"/>
-                  </a:moveTo>
-                  <a:lnTo>
-                    <a:pt x="1022453" y="0"/>
-                  </a:lnTo>
-                  <a:lnTo>
-                    <a:pt x="0" y="6857996"/>
-                  </a:lnTo>
-                  <a:lnTo>
-                    <a:pt x="1295399" y="6857996"/>
-                  </a:lnTo>
-                  <a:lnTo>
-                    <a:pt x="1295399" y="0"/>
-                  </a:lnTo>
-                  <a:close/>
-                </a:path>
-              </a:pathLst>
-            </a:custGeom>
-            <a:solidFill>
-              <a:srgbClr val="2D83C3">
-                <a:alpha val="70195"/>
-              </a:srgbClr>
-            </a:solidFill>
-          </p:spPr>
-          <p:txBody>
-            <a:bodyPr wrap="square" lIns="0" tIns="0" rIns="0" bIns="0" rtlCol="0"/>
-            <a:lstStyle/>
-            <a:p>
-              <a:endParaRPr/>
-            </a:p>
-          </p:txBody>
-        </p:sp>
-        <p:sp>
-          <p:nvSpPr>
-            <p:cNvPr id="11" name="object 11"/>
-            <p:cNvSpPr/>
-            <p:nvPr/>
-          </p:nvSpPr>
-          <p:spPr>
-            <a:xfrm>
-              <a:off x="10936247" y="0"/>
-              <a:ext cx="1256030" cy="6858000"/>
-            </a:xfrm>
-            <a:custGeom>
-              <a:avLst/>
-              <a:gdLst/>
-              <a:ahLst/>
-              <a:cxnLst/>
-              <a:rect l="l" t="t" r="r" b="b"/>
-              <a:pathLst>
-                <a:path w="1256029" h="6858000">
-                  <a:moveTo>
-                    <a:pt x="1255752" y="0"/>
-                  </a:moveTo>
-                  <a:lnTo>
-                    <a:pt x="0" y="0"/>
-                  </a:lnTo>
-                  <a:lnTo>
-                    <a:pt x="1114527" y="6857996"/>
-                  </a:lnTo>
-                  <a:lnTo>
-                    <a:pt x="1255752" y="6857996"/>
-                  </a:lnTo>
-                  <a:lnTo>
-                    <a:pt x="1255752" y="0"/>
-                  </a:lnTo>
-                  <a:close/>
-                </a:path>
-              </a:pathLst>
-            </a:custGeom>
-            <a:solidFill>
-              <a:srgbClr val="226192">
-                <a:alpha val="79998"/>
-              </a:srgbClr>
-            </a:solidFill>
-          </p:spPr>
-          <p:txBody>
-            <a:bodyPr wrap="square" lIns="0" tIns="0" rIns="0" bIns="0" rtlCol="0"/>
-            <a:lstStyle/>
-            <a:p>
-              <a:endParaRPr/>
-            </a:p>
-          </p:txBody>
-        </p:sp>
-        <p:sp>
-          <p:nvSpPr>
-            <p:cNvPr id="12" name="object 12"/>
-            <p:cNvSpPr/>
-            <p:nvPr/>
-          </p:nvSpPr>
-          <p:spPr>
-            <a:xfrm>
-              <a:off x="10372725" y="3590925"/>
-              <a:ext cx="1819275" cy="3267075"/>
-            </a:xfrm>
-            <a:custGeom>
-              <a:avLst/>
-              <a:gdLst/>
-              <a:ahLst/>
-              <a:cxnLst/>
-              <a:rect l="l" t="t" r="r" b="b"/>
-              <a:pathLst>
-                <a:path w="1819275" h="3267075">
-                  <a:moveTo>
-                    <a:pt x="1819275" y="0"/>
-                  </a:moveTo>
-                  <a:lnTo>
-                    <a:pt x="0" y="3267075"/>
-                  </a:lnTo>
-                  <a:lnTo>
-                    <a:pt x="1819275" y="3267075"/>
-                  </a:lnTo>
-                  <a:lnTo>
-                    <a:pt x="1819275" y="0"/>
-                  </a:lnTo>
-                  <a:close/>
-                </a:path>
-              </a:pathLst>
-            </a:custGeom>
-            <a:solidFill>
-              <a:srgbClr val="17AFE3">
-                <a:alpha val="65881"/>
-              </a:srgbClr>
-            </a:solidFill>
-          </p:spPr>
-          <p:txBody>
-            <a:bodyPr wrap="square" lIns="0" tIns="0" rIns="0" bIns="0" rtlCol="0"/>
-            <a:lstStyle/>
-            <a:p>
-              <a:endParaRPr/>
-            </a:p>
-          </p:txBody>
-        </p:sp>
-      </p:grpSp>
-      <p:sp>
-        <p:nvSpPr>
-          <p:cNvPr id="13" name="object 13"/>
-          <p:cNvSpPr/>
-          <p:nvPr/>
-        </p:nvSpPr>
-        <p:spPr>
-          <a:xfrm>
-            <a:off x="0" y="4010025"/>
-            <a:ext cx="447675" cy="2847975"/>
-          </a:xfrm>
-          <a:custGeom>
-            <a:avLst/>
-            <a:gdLst/>
-            <a:ahLst/>
-            <a:cxnLst/>
-            <a:rect l="l" t="t" r="r" b="b"/>
-            <a:pathLst>
-              <a:path w="447675" h="2847975">
-                <a:moveTo>
-                  <a:pt x="0" y="0"/>
-                </a:moveTo>
-                <a:lnTo>
-                  <a:pt x="0" y="2847975"/>
-                </a:lnTo>
-                <a:lnTo>
-                  <a:pt x="447675" y="2847975"/>
-                </a:lnTo>
-                <a:lnTo>
-                  <a:pt x="0" y="0"/>
-                </a:lnTo>
-                <a:close/>
-              </a:path>
-            </a:pathLst>
-          </a:custGeom>
-          <a:solidFill>
-            <a:srgbClr val="5FCAEE">
-              <a:alpha val="70195"/>
-            </a:srgbClr>
-          </a:solidFill>
-        </p:spPr>
-        <p:txBody>
-          <a:bodyPr wrap="square" lIns="0" tIns="0" rIns="0" bIns="0" rtlCol="0"/>
-          <a:lstStyle/>
-          <a:p>
-            <a:endParaRPr/>
-          </a:p>
-        </p:txBody>
-      </p:sp>
-      <p:sp>
-        <p:nvSpPr>
-          <p:cNvPr id="14" name="object 14"/>
           <p:cNvSpPr txBox="1"/>
           <p:nvPr/>
         </p:nvSpPr>
@@ -8020,7 +8512,7 @@
         </p:nvSpPr>
         <p:spPr>
           <a:xfrm>
-            <a:off x="609600" y="1577340"/>
+            <a:off x="609599" y="2152945"/>
             <a:ext cx="10972800" cy="2215991"/>
           </a:xfrm>
         </p:spPr>
